--- a/Slides/Week1_Lecture_Slides_Part2.pptx
+++ b/Slides/Week1_Lecture_Slides_Part2.pptx
@@ -10,8 +10,8 @@
   <p:sldIdLst>
     <p:sldId id="763" r:id="rId2"/>
     <p:sldId id="750" r:id="rId3"/>
-    <p:sldId id="714" r:id="rId4"/>
-    <p:sldId id="716" r:id="rId5"/>
+    <p:sldId id="716" r:id="rId4"/>
+    <p:sldId id="714" r:id="rId5"/>
   </p:sldIdLst>
   <p:sldSz cx="12192000" cy="6858000"/>
   <p:notesSz cx="6858000" cy="9144000"/>
@@ -200,7 +200,7 @@
           <a:p>
             <a:fld id="{8742C8CA-A521-4254-86A7-6548A9107C3F}" type="datetimeFigureOut">
               <a:rPr lang="en-US" smtClean="0"/>
-              <a:t>9/26/2024</a:t>
+              <a:t>9/27/2024</a:t>
             </a:fld>
             <a:endParaRPr lang="en-US"/>
           </a:p>
@@ -516,12 +516,6 @@
               <a:t>Questions?</a:t>
             </a:r>
           </a:p>
-          <a:p>
-            <a:r>
-              <a:rPr lang="en-US" dirty="0"/>
-              <a:t>Not graded</a:t>
-            </a:r>
-          </a:p>
         </p:txBody>
       </p:sp>
       <p:sp>
@@ -550,7 +544,7 @@
     </p:spTree>
     <p:extLst>
       <p:ext uri="{BB962C8B-B14F-4D97-AF65-F5344CB8AC3E}">
-        <p14:creationId xmlns:p14="http://schemas.microsoft.com/office/powerpoint/2010/main" val="3843725801"/>
+        <p14:creationId xmlns:p14="http://schemas.microsoft.com/office/powerpoint/2010/main" val="1720465896"/>
       </p:ext>
     </p:extLst>
   </p:cSld>
@@ -609,6 +603,12 @@
               <a:t>Questions?</a:t>
             </a:r>
           </a:p>
+          <a:p>
+            <a:r>
+              <a:rPr lang="en-US" dirty="0"/>
+              <a:t>Not graded</a:t>
+            </a:r>
+          </a:p>
         </p:txBody>
       </p:sp>
       <p:sp>
@@ -637,7 +637,7 @@
     </p:spTree>
     <p:extLst>
       <p:ext uri="{BB962C8B-B14F-4D97-AF65-F5344CB8AC3E}">
-        <p14:creationId xmlns:p14="http://schemas.microsoft.com/office/powerpoint/2010/main" val="1720465896"/>
+        <p14:creationId xmlns:p14="http://schemas.microsoft.com/office/powerpoint/2010/main" val="3843725801"/>
       </p:ext>
     </p:extLst>
   </p:cSld>
@@ -793,7 +793,7 @@
           <a:p>
             <a:fld id="{9709A697-9556-4636-ADD7-C14036D27B5A}" type="datetime1">
               <a:rPr lang="en-US" smtClean="0"/>
-              <a:t>9/26/2024</a:t>
+              <a:t>9/27/2024</a:t>
             </a:fld>
             <a:endParaRPr lang="en-US" dirty="0"/>
           </a:p>
@@ -982,7 +982,7 @@
           <a:p>
             <a:fld id="{1D135C72-5A6E-4C5D-A140-0F430B42233B}" type="datetime1">
               <a:rPr lang="en-US" smtClean="0"/>
-              <a:t>9/26/2024</a:t>
+              <a:t>9/27/2024</a:t>
             </a:fld>
             <a:endParaRPr lang="en-US"/>
           </a:p>
@@ -1162,7 +1162,7 @@
           <a:p>
             <a:fld id="{019AFC8F-4F6E-4D8C-B539-DD061C8756D5}" type="datetime1">
               <a:rPr lang="en-US" smtClean="0"/>
-              <a:t>9/26/2024</a:t>
+              <a:t>9/27/2024</a:t>
             </a:fld>
             <a:endParaRPr lang="en-US"/>
           </a:p>
@@ -1394,7 +1394,7 @@
           <a:p>
             <a:fld id="{0F6E66B7-9B35-4B7B-9932-B0DB6C7780B0}" type="datetime1">
               <a:rPr lang="en-US" smtClean="0"/>
-              <a:t>9/26/2024</a:t>
+              <a:t>9/27/2024</a:t>
             </a:fld>
             <a:endParaRPr lang="en-US" dirty="0"/>
           </a:p>
@@ -1657,7 +1657,7 @@
           <a:p>
             <a:fld id="{32194678-864D-4970-8E71-CC0335BFB9F7}" type="datetime1">
               <a:rPr lang="en-US" smtClean="0"/>
-              <a:t>9/26/2024</a:t>
+              <a:t>9/27/2024</a:t>
             </a:fld>
             <a:endParaRPr lang="en-US"/>
           </a:p>
@@ -1900,7 +1900,7 @@
           <a:p>
             <a:fld id="{C46C03B7-1D8F-458E-93B0-CB00AB025C6C}" type="datetime1">
               <a:rPr lang="en-US" smtClean="0"/>
-              <a:t>9/26/2024</a:t>
+              <a:t>9/27/2024</a:t>
             </a:fld>
             <a:endParaRPr lang="en-US"/>
           </a:p>
@@ -2266,7 +2266,7 @@
           <a:p>
             <a:fld id="{32745CCD-FD48-4957-97BB-996D1D1F5A92}" type="datetime1">
               <a:rPr lang="en-US" smtClean="0"/>
-              <a:t>9/26/2024</a:t>
+              <a:t>9/27/2024</a:t>
             </a:fld>
             <a:endParaRPr lang="en-US"/>
           </a:p>
@@ -2384,7 +2384,7 @@
           <a:p>
             <a:fld id="{17F61E08-FE4F-4BA0-9A4F-ABAA1AAD8933}" type="datetime1">
               <a:rPr lang="en-US" smtClean="0"/>
-              <a:t>9/26/2024</a:t>
+              <a:t>9/27/2024</a:t>
             </a:fld>
             <a:endParaRPr lang="en-US"/>
           </a:p>
@@ -2479,7 +2479,7 @@
           <a:p>
             <a:fld id="{7B1F070D-6507-42AD-8A7A-A1A51651946D}" type="datetime1">
               <a:rPr lang="en-US" smtClean="0"/>
-              <a:t>9/26/2024</a:t>
+              <a:t>9/27/2024</a:t>
             </a:fld>
             <a:endParaRPr lang="en-US"/>
           </a:p>
@@ -2765,7 +2765,7 @@
           <a:p>
             <a:fld id="{416BB3DE-6B60-4982-9E73-506458BA3016}" type="datetime1">
               <a:rPr lang="en-US" smtClean="0"/>
-              <a:t>9/26/2024</a:t>
+              <a:t>9/27/2024</a:t>
             </a:fld>
             <a:endParaRPr lang="en-US"/>
           </a:p>
@@ -3022,7 +3022,7 @@
           <a:p>
             <a:fld id="{DF4C7062-7E19-4F5A-9C80-6631C3BA90C9}" type="datetime1">
               <a:rPr lang="en-US" smtClean="0"/>
-              <a:t>9/26/2024</a:t>
+              <a:t>9/27/2024</a:t>
             </a:fld>
             <a:endParaRPr lang="en-US"/>
           </a:p>
@@ -3235,7 +3235,7 @@
           <a:p>
             <a:fld id="{CCE9409E-6722-4D1D-BF68-530DA15E46E8}" type="datetime1">
               <a:rPr lang="en-US" smtClean="0"/>
-              <a:t>9/26/2024</a:t>
+              <a:t>9/27/2024</a:t>
             </a:fld>
             <a:endParaRPr lang="en-US"/>
           </a:p>
@@ -4968,26 +4968,44 @@
         </p:nvSpPr>
         <p:spPr>
           <a:xfrm>
-            <a:off x="0" y="1122363"/>
-            <a:ext cx="12192000" cy="2387600"/>
+            <a:off x="0" y="1020726"/>
+            <a:ext cx="12192000" cy="2408274"/>
           </a:xfrm>
         </p:spPr>
         <p:txBody>
           <a:bodyPr>
-            <a:normAutofit/>
+            <a:normAutofit fontScale="90000"/>
           </a:bodyPr>
           <a:lstStyle/>
           <a:p>
-            <a:r>
-              <a:rPr lang="en-US" dirty="0"/>
-              <a:t>Min 105-115: </a:t>
-            </a:r>
             <a:br>
               <a:rPr lang="en-US" dirty="0"/>
             </a:br>
             <a:r>
               <a:rPr lang="en-US" dirty="0"/>
-              <a:t>Review Moodle Quiz</a:t>
+              <a:t>Start thinking about your final project</a:t>
+            </a:r>
+            <a:br>
+              <a:rPr lang="en-US" dirty="0"/>
+            </a:br>
+            <a:r>
+              <a:rPr lang="en-US" dirty="0"/>
+              <a:t>and book a one-on-one meeting on </a:t>
+            </a:r>
+            <a:br>
+              <a:rPr lang="en-US" dirty="0"/>
+            </a:br>
+            <a:r>
+              <a:rPr lang="en-US" dirty="0"/>
+              <a:t>Friday, March 11</a:t>
+            </a:r>
+            <a:r>
+              <a:rPr lang="en-US" baseline="30000" dirty="0"/>
+              <a:t>th</a:t>
+            </a:r>
+            <a:r>
+              <a:rPr lang="en-US" dirty="0"/>
+              <a:t> in the afternoon</a:t>
             </a:r>
           </a:p>
         </p:txBody>
@@ -5015,94 +5033,67 @@
           </a:xfrm>
         </p:spPr>
         <p:txBody>
-          <a:bodyPr>
-            <a:normAutofit/>
-          </a:bodyPr>
-          <a:lstStyle/>
-          <a:p>
-            <a:r>
-              <a:rPr lang="en-US" u="sng" dirty="0"/>
-              <a:t>Learning Objectives</a:t>
+          <a:bodyPr/>
+          <a:lstStyle/>
+          <a:p>
+            <a:r>
+              <a:rPr lang="en-US" dirty="0"/>
+              <a:t>The final project’s goal is to answer a well-defined scientific question by applying one of the ML algorithms introduced in class on an environmental dataset of your choice </a:t>
+            </a:r>
+            <a:br>
+              <a:rPr lang="en-US" dirty="0"/>
+            </a:br>
+            <a:r>
+              <a:rPr lang="en-US" dirty="0"/>
+              <a:t>(e.g., related to your Masters thesis or your PhD research).</a:t>
+            </a:r>
+          </a:p>
+          <a:p>
+            <a:pPr marL="342900" indent="-342900" algn="l">
+              <a:buFont typeface="Arial" panose="020B0604020202020204" pitchFamily="34" charset="0"/>
+              <a:buChar char="•"/>
+            </a:pPr>
+            <a:r>
+              <a:rPr lang="en-US" dirty="0"/>
+              <a:t>Can you think of a large environmental dataset linked to a scientific question you are passionate about?</a:t>
+            </a:r>
+          </a:p>
+          <a:p>
+            <a:pPr marL="342900" indent="-342900" algn="l">
+              <a:buFont typeface="Arial" panose="020B0604020202020204" pitchFamily="34" charset="0"/>
+              <a:buChar char="•"/>
+            </a:pPr>
+            <a:r>
+              <a:rPr lang="en-US" dirty="0"/>
+              <a:t>In the affirmative, how could you format the dataset to facilitate its manipulation in Python?</a:t>
+            </a:r>
+          </a:p>
+          <a:p>
+            <a:pPr marL="342900" indent="-342900" algn="l">
+              <a:buFont typeface="Arial" panose="020B0604020202020204" pitchFamily="34" charset="0"/>
+              <a:buChar char="•"/>
+            </a:pPr>
+            <a:r>
+              <a:rPr lang="en-US" dirty="0"/>
+              <a:t>In the negative, consider browsing the list of benchmark datasets maintained by </a:t>
+            </a:r>
+            <a:r>
+              <a:rPr lang="en-US" dirty="0" err="1"/>
+              <a:t>Pangeo</a:t>
             </a:r>
             <a:r>
               <a:rPr lang="en-US" dirty="0"/>
               <a:t> (</a:t>
             </a:r>
             <a:r>
-              <a:rPr lang="en-US" dirty="0" err="1"/>
-              <a:t>Géron</a:t>
+              <a:rPr lang="en-US" dirty="0">
+                <a:hlinkClick r:id="rId3"/>
+              </a:rPr>
+              <a:t>http://mldata.pangeo.io/index.html</a:t>
             </a:r>
             <a:r>
               <a:rPr lang="en-US" dirty="0"/>
-              <a:t> Ch3+4):</a:t>
-            </a:r>
-          </a:p>
-          <a:p>
-            <a:pPr marL="457200" indent="-457200">
-              <a:buFont typeface="+mj-lt"/>
-              <a:buAutoNum type="arabicPeriod"/>
-            </a:pPr>
-            <a:r>
-              <a:rPr lang="en-US" dirty="0"/>
-              <a:t>Distinguish classification from regression</a:t>
-            </a:r>
-          </a:p>
-          <a:p>
-            <a:pPr marL="457200" indent="-457200">
-              <a:buFont typeface="+mj-lt"/>
-              <a:buAutoNum type="arabicPeriod"/>
-            </a:pPr>
-            <a:r>
-              <a:rPr lang="en-US" dirty="0"/>
-              <a:t>Define a loss/cost function </a:t>
-            </a:r>
-          </a:p>
-          <a:p>
-            <a:pPr marL="457200" indent="-457200">
-              <a:buFont typeface="+mj-lt"/>
-              <a:buAutoNum type="arabicPeriod"/>
-            </a:pPr>
-            <a:r>
-              <a:rPr lang="en-US" dirty="0"/>
-              <a:t>Understand how to train a logistic/</a:t>
-            </a:r>
-            <a:r>
-              <a:rPr lang="en-US" dirty="0" err="1"/>
-              <a:t>softmax</a:t>
-            </a:r>
-            <a:r>
-              <a:rPr lang="en-US" dirty="0"/>
-              <a:t> regression for binary/multiclass classification</a:t>
-            </a:r>
-          </a:p>
-          <a:p>
-            <a:pPr marL="457200" indent="-457200">
-              <a:buFont typeface="+mj-lt"/>
-              <a:buAutoNum type="arabicPeriod"/>
-            </a:pPr>
-            <a:r>
-              <a:rPr lang="en-US" dirty="0"/>
-              <a:t>Know how to benchmark a classifier</a:t>
-            </a:r>
-          </a:p>
-          <a:p>
-            <a:pPr marL="457200" indent="-457200">
-              <a:buFont typeface="+mj-lt"/>
-              <a:buAutoNum type="arabicPeriod"/>
-            </a:pPr>
-            <a:r>
-              <a:rPr lang="en-US" dirty="0"/>
-              <a:t>Understand how to train a (multiple) linear regression</a:t>
-            </a:r>
-          </a:p>
-          <a:p>
-            <a:pPr marL="457200" indent="-457200">
-              <a:buFont typeface="+mj-lt"/>
-              <a:buAutoNum type="arabicPeriod"/>
-            </a:pPr>
-            <a:r>
-              <a:rPr lang="en-US" dirty="0"/>
-              <a:t>Know how to benchmark a regression model</a:t>
+              <a:t>) or browse the class syllabus’ datasets</a:t>
             </a:r>
           </a:p>
         </p:txBody>
@@ -5139,7 +5130,7 @@
     </p:spTree>
     <p:extLst>
       <p:ext uri="{BB962C8B-B14F-4D97-AF65-F5344CB8AC3E}">
-        <p14:creationId xmlns:p14="http://schemas.microsoft.com/office/powerpoint/2010/main" val="2064551067"/>
+        <p14:creationId xmlns:p14="http://schemas.microsoft.com/office/powerpoint/2010/main" val="785954811"/>
       </p:ext>
     </p:extLst>
   </p:cSld>
@@ -5184,44 +5175,26 @@
         </p:nvSpPr>
         <p:spPr>
           <a:xfrm>
-            <a:off x="0" y="1020726"/>
-            <a:ext cx="12192000" cy="2408274"/>
+            <a:off x="0" y="1122363"/>
+            <a:ext cx="12192000" cy="2387600"/>
           </a:xfrm>
         </p:spPr>
         <p:txBody>
           <a:bodyPr>
-            <a:normAutofit fontScale="90000"/>
+            <a:normAutofit/>
           </a:bodyPr>
           <a:lstStyle/>
           <a:p>
+            <a:r>
+              <a:rPr lang="en-US" dirty="0"/>
+              <a:t>Min 105-115: </a:t>
+            </a:r>
             <a:br>
               <a:rPr lang="en-US" dirty="0"/>
             </a:br>
             <a:r>
               <a:rPr lang="en-US" dirty="0"/>
-              <a:t>Start thinking about your final project</a:t>
-            </a:r>
-            <a:br>
-              <a:rPr lang="en-US" dirty="0"/>
-            </a:br>
-            <a:r>
-              <a:rPr lang="en-US" dirty="0"/>
-              <a:t>and book a one-on-one meeting on </a:t>
-            </a:r>
-            <a:br>
-              <a:rPr lang="en-US" dirty="0"/>
-            </a:br>
-            <a:r>
-              <a:rPr lang="en-US" dirty="0"/>
-              <a:t>Friday, March 11</a:t>
-            </a:r>
-            <a:r>
-              <a:rPr lang="en-US" baseline="30000" dirty="0"/>
-              <a:t>th</a:t>
-            </a:r>
-            <a:r>
-              <a:rPr lang="en-US" dirty="0"/>
-              <a:t> in the afternoon</a:t>
+              <a:t>Review Moodle Quiz</a:t>
             </a:r>
           </a:p>
         </p:txBody>
@@ -5249,67 +5222,94 @@
           </a:xfrm>
         </p:spPr>
         <p:txBody>
-          <a:bodyPr/>
-          <a:lstStyle/>
-          <a:p>
-            <a:r>
-              <a:rPr lang="en-US" dirty="0"/>
-              <a:t>The final project’s goal is to answer a well-defined scientific question by applying one of the ML algorithms introduced in class on an environmental dataset of your choice </a:t>
-            </a:r>
-            <a:br>
-              <a:rPr lang="en-US" dirty="0"/>
-            </a:br>
-            <a:r>
-              <a:rPr lang="en-US" dirty="0"/>
-              <a:t>(e.g., related to your Masters thesis or your PhD research).</a:t>
-            </a:r>
-          </a:p>
-          <a:p>
-            <a:pPr marL="342900" indent="-342900" algn="l">
-              <a:buFont typeface="Arial" panose="020B0604020202020204" pitchFamily="34" charset="0"/>
-              <a:buChar char="•"/>
-            </a:pPr>
-            <a:r>
-              <a:rPr lang="en-US" dirty="0"/>
-              <a:t>Can you think of a large environmental dataset linked to a scientific question you are passionate about?</a:t>
-            </a:r>
-          </a:p>
-          <a:p>
-            <a:pPr marL="342900" indent="-342900" algn="l">
-              <a:buFont typeface="Arial" panose="020B0604020202020204" pitchFamily="34" charset="0"/>
-              <a:buChar char="•"/>
-            </a:pPr>
-            <a:r>
-              <a:rPr lang="en-US" dirty="0"/>
-              <a:t>In the affirmative, how could you format the dataset to facilitate its manipulation in Python?</a:t>
-            </a:r>
-          </a:p>
-          <a:p>
-            <a:pPr marL="342900" indent="-342900" algn="l">
-              <a:buFont typeface="Arial" panose="020B0604020202020204" pitchFamily="34" charset="0"/>
-              <a:buChar char="•"/>
-            </a:pPr>
-            <a:r>
-              <a:rPr lang="en-US" dirty="0"/>
-              <a:t>In the negative, consider browsing the list of benchmark datasets maintained by </a:t>
-            </a:r>
-            <a:r>
-              <a:rPr lang="en-US" dirty="0" err="1"/>
-              <a:t>Pangeo</a:t>
+          <a:bodyPr>
+            <a:normAutofit/>
+          </a:bodyPr>
+          <a:lstStyle/>
+          <a:p>
+            <a:r>
+              <a:rPr lang="en-US" u="sng" dirty="0"/>
+              <a:t>Learning Objectives</a:t>
             </a:r>
             <a:r>
               <a:rPr lang="en-US" dirty="0"/>
               <a:t> (</a:t>
             </a:r>
             <a:r>
-              <a:rPr lang="en-US" dirty="0">
-                <a:hlinkClick r:id="rId3"/>
-              </a:rPr>
-              <a:t>http://mldata.pangeo.io/index.html</a:t>
+              <a:rPr lang="en-US" dirty="0" err="1"/>
+              <a:t>Géron</a:t>
             </a:r>
             <a:r>
               <a:rPr lang="en-US" dirty="0"/>
-              <a:t>) or browse the class syllabus’ datasets</a:t>
+              <a:t> Ch3+4):</a:t>
+            </a:r>
+          </a:p>
+          <a:p>
+            <a:pPr marL="457200" indent="-457200">
+              <a:buFont typeface="+mj-lt"/>
+              <a:buAutoNum type="arabicPeriod"/>
+            </a:pPr>
+            <a:r>
+              <a:rPr lang="en-US" dirty="0"/>
+              <a:t>Distinguish classification from regression</a:t>
+            </a:r>
+          </a:p>
+          <a:p>
+            <a:pPr marL="457200" indent="-457200">
+              <a:buFont typeface="+mj-lt"/>
+              <a:buAutoNum type="arabicPeriod"/>
+            </a:pPr>
+            <a:r>
+              <a:rPr lang="en-US" dirty="0"/>
+              <a:t>Define a loss/cost function </a:t>
+            </a:r>
+          </a:p>
+          <a:p>
+            <a:pPr marL="457200" indent="-457200">
+              <a:buFont typeface="+mj-lt"/>
+              <a:buAutoNum type="arabicPeriod"/>
+            </a:pPr>
+            <a:r>
+              <a:rPr lang="en-US" dirty="0"/>
+              <a:t>Understand how to train a logistic/</a:t>
+            </a:r>
+            <a:r>
+              <a:rPr lang="en-US" dirty="0" err="1"/>
+              <a:t>softmax</a:t>
+            </a:r>
+            <a:r>
+              <a:rPr lang="en-US" dirty="0"/>
+              <a:t> regression for binary/multiclass classification</a:t>
+            </a:r>
+          </a:p>
+          <a:p>
+            <a:pPr marL="457200" indent="-457200">
+              <a:buFont typeface="+mj-lt"/>
+              <a:buAutoNum type="arabicPeriod"/>
+            </a:pPr>
+            <a:r>
+              <a:rPr lang="en-US" dirty="0"/>
+              <a:t>Know how to benchmark a classifier</a:t>
+            </a:r>
+          </a:p>
+          <a:p>
+            <a:pPr marL="457200" indent="-457200">
+              <a:buFont typeface="+mj-lt"/>
+              <a:buAutoNum type="arabicPeriod"/>
+            </a:pPr>
+            <a:r>
+              <a:rPr lang="en-US" dirty="0"/>
+              <a:t>Understand how to train a (multiple) linear regression</a:t>
+            </a:r>
+          </a:p>
+          <a:p>
+            <a:pPr marL="457200" indent="-457200">
+              <a:buFont typeface="+mj-lt"/>
+              <a:buAutoNum type="arabicPeriod"/>
+            </a:pPr>
+            <a:r>
+              <a:rPr lang="en-US" dirty="0"/>
+              <a:t>Know how to benchmark a regression model</a:t>
             </a:r>
           </a:p>
         </p:txBody>
@@ -5346,7 +5346,7 @@
     </p:spTree>
     <p:extLst>
       <p:ext uri="{BB962C8B-B14F-4D97-AF65-F5344CB8AC3E}">
-        <p14:creationId xmlns:p14="http://schemas.microsoft.com/office/powerpoint/2010/main" val="785954811"/>
+        <p14:creationId xmlns:p14="http://schemas.microsoft.com/office/powerpoint/2010/main" val="2064551067"/>
       </p:ext>
     </p:extLst>
   </p:cSld>
